--- a/iOS/4. Termin/Termin 4.pptx
+++ b/iOS/4. Termin/Termin 4.pptx
@@ -278,7 +278,7 @@
               <a:rPr lang="de-DE" smtClean="0">
                 <a:latin typeface="AA Zuehlke" pitchFamily="2" charset="0"/>
               </a:rPr>
-              <a:t>07.02.17</a:t>
+              <a:t>17.03.17</a:t>
             </a:fld>
             <a:endParaRPr lang="de-DE">
               <a:latin typeface="AA Zuehlke" pitchFamily="2" charset="0"/>
@@ -456,7 +456,7 @@
             <a:fld id="{A6966AE6-B72D-4967-9CA3-8469D2863705}" type="datetimeFigureOut">
               <a:rPr lang="en-US" smtClean="0"/>
               <a:pPr/>
-              <a:t>2/7/17</a:t>
+              <a:t>3/17/17</a:t>
             </a:fld>
             <a:endParaRPr lang="en-US" dirty="0"/>
           </a:p>
@@ -732,6 +732,91 @@
 </file>
 
 <file path=ppt/notesSlides/notesSlide1.xml><?xml version="1.0" encoding="utf-8"?>
+<p:notes xmlns:a="http://schemas.openxmlformats.org/drawingml/2006/main" xmlns:r="http://schemas.openxmlformats.org/officeDocument/2006/relationships" xmlns:p="http://schemas.openxmlformats.org/presentationml/2006/main">
+  <p:cSld>
+    <p:spTree>
+      <p:nvGrpSpPr>
+        <p:cNvPr id="1" name=""/>
+        <p:cNvGrpSpPr/>
+        <p:nvPr/>
+      </p:nvGrpSpPr>
+      <p:grpSpPr>
+        <a:xfrm>
+          <a:off x="0" y="0"/>
+          <a:ext cx="0" cy="0"/>
+          <a:chOff x="0" y="0"/>
+          <a:chExt cx="0" cy="0"/>
+        </a:xfrm>
+      </p:grpSpPr>
+      <p:sp>
+        <p:nvSpPr>
+          <p:cNvPr id="2" name="Folienbildplatzhalter 1"/>
+          <p:cNvSpPr>
+            <a:spLocks noGrp="1" noRot="1" noChangeAspect="1"/>
+          </p:cNvSpPr>
+          <p:nvPr>
+            <p:ph type="sldImg"/>
+          </p:nvPr>
+        </p:nvSpPr>
+        <p:spPr/>
+      </p:sp>
+      <p:sp>
+        <p:nvSpPr>
+          <p:cNvPr id="3" name="Notizenplatzhalter 2"/>
+          <p:cNvSpPr>
+            <a:spLocks noGrp="1"/>
+          </p:cNvSpPr>
+          <p:nvPr>
+            <p:ph type="body" idx="1"/>
+          </p:nvPr>
+        </p:nvSpPr>
+        <p:spPr/>
+        <p:txBody>
+          <a:bodyPr/>
+          <a:lstStyle/>
+          <a:p>
+            <a:endParaRPr lang="de-DE" dirty="0"/>
+          </a:p>
+        </p:txBody>
+      </p:sp>
+      <p:sp>
+        <p:nvSpPr>
+          <p:cNvPr id="4" name="Foliennummernplatzhalter 3"/>
+          <p:cNvSpPr>
+            <a:spLocks noGrp="1"/>
+          </p:cNvSpPr>
+          <p:nvPr>
+            <p:ph type="sldNum" sz="quarter" idx="10"/>
+          </p:nvPr>
+        </p:nvSpPr>
+        <p:spPr/>
+        <p:txBody>
+          <a:bodyPr/>
+          <a:lstStyle/>
+          <a:p>
+            <a:fld id="{04E102C5-3B9C-48EE-BFF0-2E7AF2F2A1F4}" type="slidenum">
+              <a:rPr lang="en-US" smtClean="0"/>
+              <a:pPr/>
+              <a:t>6</a:t>
+            </a:fld>
+            <a:endParaRPr lang="en-US" dirty="0"/>
+          </a:p>
+        </p:txBody>
+      </p:sp>
+    </p:spTree>
+    <p:extLst>
+      <p:ext uri="{BB962C8B-B14F-4D97-AF65-F5344CB8AC3E}">
+        <p14:creationId xmlns:p14="http://schemas.microsoft.com/office/powerpoint/2010/main" val="1601475784"/>
+      </p:ext>
+    </p:extLst>
+  </p:cSld>
+  <p:clrMapOvr>
+    <a:masterClrMapping/>
+  </p:clrMapOvr>
+</p:notes>
+</file>
+
+<file path=ppt/notesSlides/notesSlide2.xml><?xml version="1.0" encoding="utf-8"?>
 <p:notes xmlns:a="http://schemas.openxmlformats.org/drawingml/2006/main" xmlns:r="http://schemas.openxmlformats.org/officeDocument/2006/relationships" xmlns:p="http://schemas.openxmlformats.org/presentationml/2006/main">
   <p:cSld>
     <p:spTree>
@@ -6164,6 +6249,89 @@
           </a:prstGeom>
         </p:spPr>
       </p:pic>
+      <p:grpSp>
+        <p:nvGrpSpPr>
+          <p:cNvPr id="8" name="Gruppierung 7"/>
+          <p:cNvGrpSpPr/>
+          <p:nvPr/>
+        </p:nvGrpSpPr>
+        <p:grpSpPr>
+          <a:xfrm>
+            <a:off x="10158665" y="5833319"/>
+            <a:ext cx="2033335" cy="914400"/>
+            <a:chOff x="10158665" y="5833319"/>
+            <a:chExt cx="2033335" cy="914400"/>
+          </a:xfrm>
+        </p:grpSpPr>
+        <p:sp>
+          <p:nvSpPr>
+            <p:cNvPr id="9" name="Textfeld 8"/>
+            <p:cNvSpPr txBox="1"/>
+            <p:nvPr/>
+          </p:nvSpPr>
+          <p:spPr>
+            <a:xfrm>
+              <a:off x="10782134" y="5833319"/>
+              <a:ext cx="1409866" cy="914400"/>
+            </a:xfrm>
+            <a:prstGeom prst="rect">
+              <a:avLst/>
+            </a:prstGeom>
+            <a:noFill/>
+          </p:spPr>
+          <p:txBody>
+            <a:bodyPr wrap="none" rtlCol="0">
+              <a:noAutofit/>
+            </a:bodyPr>
+            <a:lstStyle/>
+            <a:p>
+              <a:r>
+                <a:rPr lang="de-DE" sz="2200" dirty="0" smtClean="0">
+                  <a:latin typeface="AA Zuehlke" pitchFamily="2" charset="0"/>
+                  <a:hlinkClick r:id="rId4"/>
+                </a:rPr>
+                <a:t>Link</a:t>
+              </a:r>
+              <a:endParaRPr lang="de-DE" sz="2200" dirty="0" smtClean="0">
+                <a:latin typeface="AA Zuehlke" pitchFamily="2" charset="0"/>
+              </a:endParaRPr>
+            </a:p>
+          </p:txBody>
+        </p:sp>
+        <p:cxnSp>
+          <p:nvCxnSpPr>
+            <p:cNvPr id="11" name="Gerade Verbindung mit Pfeil 10"/>
+            <p:cNvCxnSpPr/>
+            <p:nvPr/>
+          </p:nvCxnSpPr>
+          <p:spPr>
+            <a:xfrm>
+              <a:off x="10158665" y="6093296"/>
+              <a:ext cx="623469" cy="0"/>
+            </a:xfrm>
+            <a:prstGeom prst="straightConnector1">
+              <a:avLst/>
+            </a:prstGeom>
+            <a:ln w="57150">
+              <a:tailEnd type="triangle"/>
+            </a:ln>
+          </p:spPr>
+          <p:style>
+            <a:lnRef idx="1">
+              <a:schemeClr val="accent1"/>
+            </a:lnRef>
+            <a:fillRef idx="0">
+              <a:schemeClr val="accent1"/>
+            </a:fillRef>
+            <a:effectRef idx="0">
+              <a:schemeClr val="accent1"/>
+            </a:effectRef>
+            <a:fontRef idx="minor">
+              <a:schemeClr val="tx1"/>
+            </a:fontRef>
+          </p:style>
+        </p:cxnSp>
+      </p:grpSp>
     </p:spTree>
     <p:extLst>
       <p:ext uri="{BB962C8B-B14F-4D97-AF65-F5344CB8AC3E}">
@@ -6642,6 +6810,89 @@
           </a:p>
         </p:txBody>
       </p:sp>
+      <p:grpSp>
+        <p:nvGrpSpPr>
+          <p:cNvPr id="8" name="Gruppierung 7"/>
+          <p:cNvGrpSpPr/>
+          <p:nvPr/>
+        </p:nvGrpSpPr>
+        <p:grpSpPr>
+          <a:xfrm>
+            <a:off x="10158665" y="5833319"/>
+            <a:ext cx="2033335" cy="914400"/>
+            <a:chOff x="10158665" y="5833319"/>
+            <a:chExt cx="2033335" cy="914400"/>
+          </a:xfrm>
+        </p:grpSpPr>
+        <p:sp>
+          <p:nvSpPr>
+            <p:cNvPr id="9" name="Textfeld 8"/>
+            <p:cNvSpPr txBox="1"/>
+            <p:nvPr/>
+          </p:nvSpPr>
+          <p:spPr>
+            <a:xfrm>
+              <a:off x="10782134" y="5833319"/>
+              <a:ext cx="1409866" cy="914400"/>
+            </a:xfrm>
+            <a:prstGeom prst="rect">
+              <a:avLst/>
+            </a:prstGeom>
+            <a:noFill/>
+          </p:spPr>
+          <p:txBody>
+            <a:bodyPr wrap="none" rtlCol="0">
+              <a:noAutofit/>
+            </a:bodyPr>
+            <a:lstStyle/>
+            <a:p>
+              <a:r>
+                <a:rPr lang="de-DE" sz="2200" dirty="0" smtClean="0">
+                  <a:latin typeface="AA Zuehlke" pitchFamily="2" charset="0"/>
+                  <a:hlinkClick r:id="rId3"/>
+                </a:rPr>
+                <a:t>Link</a:t>
+              </a:r>
+              <a:endParaRPr lang="de-DE" sz="2200" dirty="0" smtClean="0">
+                <a:latin typeface="AA Zuehlke" pitchFamily="2" charset="0"/>
+              </a:endParaRPr>
+            </a:p>
+          </p:txBody>
+        </p:sp>
+        <p:cxnSp>
+          <p:nvCxnSpPr>
+            <p:cNvPr id="10" name="Gerade Verbindung mit Pfeil 9"/>
+            <p:cNvCxnSpPr/>
+            <p:nvPr/>
+          </p:nvCxnSpPr>
+          <p:spPr>
+            <a:xfrm>
+              <a:off x="10158665" y="6093296"/>
+              <a:ext cx="623469" cy="0"/>
+            </a:xfrm>
+            <a:prstGeom prst="straightConnector1">
+              <a:avLst/>
+            </a:prstGeom>
+            <a:ln w="57150">
+              <a:tailEnd type="triangle"/>
+            </a:ln>
+          </p:spPr>
+          <p:style>
+            <a:lnRef idx="1">
+              <a:schemeClr val="accent1"/>
+            </a:lnRef>
+            <a:fillRef idx="0">
+              <a:schemeClr val="accent1"/>
+            </a:fillRef>
+            <a:effectRef idx="0">
+              <a:schemeClr val="accent1"/>
+            </a:effectRef>
+            <a:fontRef idx="minor">
+              <a:schemeClr val="tx1"/>
+            </a:fontRef>
+          </p:style>
+        </p:cxnSp>
+      </p:grpSp>
     </p:spTree>
     <p:extLst>
       <p:ext uri="{BB962C8B-B14F-4D97-AF65-F5344CB8AC3E}">
@@ -6836,6 +7087,89 @@
           </a:prstGeom>
         </p:spPr>
       </p:pic>
+      <p:grpSp>
+        <p:nvGrpSpPr>
+          <p:cNvPr id="10" name="Gruppierung 9"/>
+          <p:cNvGrpSpPr/>
+          <p:nvPr/>
+        </p:nvGrpSpPr>
+        <p:grpSpPr>
+          <a:xfrm>
+            <a:off x="10158665" y="5833319"/>
+            <a:ext cx="2033335" cy="914400"/>
+            <a:chOff x="10158665" y="5833319"/>
+            <a:chExt cx="2033335" cy="914400"/>
+          </a:xfrm>
+        </p:grpSpPr>
+        <p:sp>
+          <p:nvSpPr>
+            <p:cNvPr id="11" name="Textfeld 10"/>
+            <p:cNvSpPr txBox="1"/>
+            <p:nvPr/>
+          </p:nvSpPr>
+          <p:spPr>
+            <a:xfrm>
+              <a:off x="10782134" y="5833319"/>
+              <a:ext cx="1409866" cy="914400"/>
+            </a:xfrm>
+            <a:prstGeom prst="rect">
+              <a:avLst/>
+            </a:prstGeom>
+            <a:noFill/>
+          </p:spPr>
+          <p:txBody>
+            <a:bodyPr wrap="none" rtlCol="0">
+              <a:noAutofit/>
+            </a:bodyPr>
+            <a:lstStyle/>
+            <a:p>
+              <a:r>
+                <a:rPr lang="de-DE" sz="2200" dirty="0" smtClean="0">
+                  <a:latin typeface="AA Zuehlke" pitchFamily="2" charset="0"/>
+                  <a:hlinkClick r:id="rId4"/>
+                </a:rPr>
+                <a:t>Link</a:t>
+              </a:r>
+              <a:endParaRPr lang="de-DE" sz="2200" dirty="0" smtClean="0">
+                <a:latin typeface="AA Zuehlke" pitchFamily="2" charset="0"/>
+              </a:endParaRPr>
+            </a:p>
+          </p:txBody>
+        </p:sp>
+        <p:cxnSp>
+          <p:nvCxnSpPr>
+            <p:cNvPr id="12" name="Gerade Verbindung mit Pfeil 11"/>
+            <p:cNvCxnSpPr/>
+            <p:nvPr/>
+          </p:nvCxnSpPr>
+          <p:spPr>
+            <a:xfrm>
+              <a:off x="10158665" y="6093296"/>
+              <a:ext cx="623469" cy="0"/>
+            </a:xfrm>
+            <a:prstGeom prst="straightConnector1">
+              <a:avLst/>
+            </a:prstGeom>
+            <a:ln w="57150">
+              <a:tailEnd type="triangle"/>
+            </a:ln>
+          </p:spPr>
+          <p:style>
+            <a:lnRef idx="1">
+              <a:schemeClr val="accent1"/>
+            </a:lnRef>
+            <a:fillRef idx="0">
+              <a:schemeClr val="accent1"/>
+            </a:fillRef>
+            <a:effectRef idx="0">
+              <a:schemeClr val="accent1"/>
+            </a:effectRef>
+            <a:fontRef idx="minor">
+              <a:schemeClr val="tx1"/>
+            </a:fontRef>
+          </p:style>
+        </p:cxnSp>
+      </p:grpSp>
     </p:spTree>
     <p:extLst>
       <p:ext uri="{BB962C8B-B14F-4D97-AF65-F5344CB8AC3E}">
@@ -6979,7 +7313,7 @@
           <p:nvPr/>
         </p:nvPicPr>
         <p:blipFill>
-          <a:blip r:embed="rId2">
+          <a:blip r:embed="rId3">
             <a:extLst>
               <a:ext uri="{28A0092B-C50C-407E-A947-70E740481C1C}">
                 <a14:useLocalDpi xmlns:a14="http://schemas.microsoft.com/office/drawing/2010/main" val="0"/>
@@ -7009,7 +7343,7 @@
           <p:nvPr/>
         </p:nvPicPr>
         <p:blipFill>
-          <a:blip r:embed="rId3">
+          <a:blip r:embed="rId4">
             <a:extLst>
               <a:ext uri="{28A0092B-C50C-407E-A947-70E740481C1C}">
                 <a14:useLocalDpi xmlns:a14="http://schemas.microsoft.com/office/drawing/2010/main" val="0"/>
@@ -7039,7 +7373,7 @@
           <p:nvPr/>
         </p:nvPicPr>
         <p:blipFill>
-          <a:blip r:embed="rId4">
+          <a:blip r:embed="rId5">
             <a:extLst>
               <a:ext uri="{28A0092B-C50C-407E-A947-70E740481C1C}">
                 <a14:useLocalDpi xmlns:a14="http://schemas.microsoft.com/office/drawing/2010/main" val="0"/>
@@ -7100,6 +7434,89 @@
           </a:p>
         </p:txBody>
       </p:sp>
+      <p:grpSp>
+        <p:nvGrpSpPr>
+          <p:cNvPr id="11" name="Gruppierung 10"/>
+          <p:cNvGrpSpPr/>
+          <p:nvPr/>
+        </p:nvGrpSpPr>
+        <p:grpSpPr>
+          <a:xfrm>
+            <a:off x="10158665" y="5833319"/>
+            <a:ext cx="2033335" cy="914400"/>
+            <a:chOff x="10158665" y="5833319"/>
+            <a:chExt cx="2033335" cy="914400"/>
+          </a:xfrm>
+        </p:grpSpPr>
+        <p:sp>
+          <p:nvSpPr>
+            <p:cNvPr id="12" name="Textfeld 11"/>
+            <p:cNvSpPr txBox="1"/>
+            <p:nvPr/>
+          </p:nvSpPr>
+          <p:spPr>
+            <a:xfrm>
+              <a:off x="10782134" y="5833319"/>
+              <a:ext cx="1409866" cy="914400"/>
+            </a:xfrm>
+            <a:prstGeom prst="rect">
+              <a:avLst/>
+            </a:prstGeom>
+            <a:noFill/>
+          </p:spPr>
+          <p:txBody>
+            <a:bodyPr wrap="none" rtlCol="0">
+              <a:noAutofit/>
+            </a:bodyPr>
+            <a:lstStyle/>
+            <a:p>
+              <a:r>
+                <a:rPr lang="de-DE" sz="2200" dirty="0" smtClean="0">
+                  <a:latin typeface="AA Zuehlke" pitchFamily="2" charset="0"/>
+                  <a:hlinkClick r:id="rId6"/>
+                </a:rPr>
+                <a:t>Link</a:t>
+              </a:r>
+              <a:endParaRPr lang="de-DE" sz="2200" dirty="0" smtClean="0">
+                <a:latin typeface="AA Zuehlke" pitchFamily="2" charset="0"/>
+              </a:endParaRPr>
+            </a:p>
+          </p:txBody>
+        </p:sp>
+        <p:cxnSp>
+          <p:nvCxnSpPr>
+            <p:cNvPr id="13" name="Gerade Verbindung mit Pfeil 12"/>
+            <p:cNvCxnSpPr/>
+            <p:nvPr/>
+          </p:nvCxnSpPr>
+          <p:spPr>
+            <a:xfrm>
+              <a:off x="10158665" y="6093296"/>
+              <a:ext cx="623469" cy="0"/>
+            </a:xfrm>
+            <a:prstGeom prst="straightConnector1">
+              <a:avLst/>
+            </a:prstGeom>
+            <a:ln w="57150">
+              <a:tailEnd type="triangle"/>
+            </a:ln>
+          </p:spPr>
+          <p:style>
+            <a:lnRef idx="1">
+              <a:schemeClr val="accent1"/>
+            </a:lnRef>
+            <a:fillRef idx="0">
+              <a:schemeClr val="accent1"/>
+            </a:fillRef>
+            <a:effectRef idx="0">
+              <a:schemeClr val="accent1"/>
+            </a:effectRef>
+            <a:fontRef idx="minor">
+              <a:schemeClr val="tx1"/>
+            </a:fontRef>
+          </p:style>
+        </p:cxnSp>
+      </p:grpSp>
     </p:spTree>
     <p:extLst>
       <p:ext uri="{BB962C8B-B14F-4D97-AF65-F5344CB8AC3E}">
@@ -7272,8 +7689,8 @@
         </p:nvSpPr>
         <p:spPr>
           <a:xfrm>
-            <a:off x="2950138" y="908720"/>
-            <a:ext cx="2520000" cy="2520000"/>
+            <a:off x="2495599" y="1219416"/>
+            <a:ext cx="1735775" cy="1735775"/>
           </a:xfrm>
           <a:prstGeom prst="ellipse">
             <a:avLst/>
@@ -7326,8 +7743,8 @@
         </p:nvSpPr>
         <p:spPr>
           <a:xfrm>
-            <a:off x="5232184" y="3853465"/>
-            <a:ext cx="2520000" cy="2520000"/>
+            <a:off x="4504241" y="3863024"/>
+            <a:ext cx="1735775" cy="1735775"/>
           </a:xfrm>
           <a:prstGeom prst="ellipse">
             <a:avLst/>
@@ -7381,7 +7798,7 @@
         <p:spPr>
           <a:xfrm>
             <a:off x="623392" y="3866224"/>
-            <a:ext cx="2520000" cy="2520000"/>
+            <a:ext cx="1735775" cy="1735775"/>
           </a:xfrm>
           <a:prstGeom prst="ellipse">
             <a:avLst/>
@@ -7437,8 +7854,8 @@
         </p:nvCxnSpPr>
         <p:spPr>
           <a:xfrm flipV="1">
-            <a:off x="2774347" y="3059675"/>
-            <a:ext cx="544836" cy="1175594"/>
+            <a:off x="2104969" y="2700993"/>
+            <a:ext cx="644828" cy="1419429"/>
           </a:xfrm>
           <a:prstGeom prst="straightConnector1">
             <a:avLst/>
@@ -7477,8 +7894,8 @@
         </p:nvCxnSpPr>
         <p:spPr>
           <a:xfrm flipH="1">
-            <a:off x="3143392" y="5113465"/>
-            <a:ext cx="2088792" cy="12759"/>
+            <a:off x="2359167" y="4730912"/>
+            <a:ext cx="2145074" cy="3200"/>
           </a:xfrm>
           <a:prstGeom prst="straightConnector1">
             <a:avLst/>
@@ -7517,8 +7934,8 @@
         </p:nvCxnSpPr>
         <p:spPr>
           <a:xfrm>
-            <a:off x="5101093" y="3059675"/>
-            <a:ext cx="500136" cy="1162835"/>
+            <a:off x="3977176" y="2700993"/>
+            <a:ext cx="781263" cy="1416229"/>
           </a:xfrm>
           <a:prstGeom prst="straightConnector1">
             <a:avLst/>
@@ -7546,6 +7963,89 @@
           </a:fontRef>
         </p:style>
       </p:cxnSp>
+      <p:grpSp>
+        <p:nvGrpSpPr>
+          <p:cNvPr id="10" name="Gruppierung 9"/>
+          <p:cNvGrpSpPr/>
+          <p:nvPr/>
+        </p:nvGrpSpPr>
+        <p:grpSpPr>
+          <a:xfrm>
+            <a:off x="10158665" y="5833319"/>
+            <a:ext cx="2033335" cy="914400"/>
+            <a:chOff x="10158665" y="5833319"/>
+            <a:chExt cx="2033335" cy="914400"/>
+          </a:xfrm>
+        </p:grpSpPr>
+        <p:sp>
+          <p:nvSpPr>
+            <p:cNvPr id="3" name="Textfeld 2"/>
+            <p:cNvSpPr txBox="1"/>
+            <p:nvPr/>
+          </p:nvSpPr>
+          <p:spPr>
+            <a:xfrm>
+              <a:off x="10782134" y="5833319"/>
+              <a:ext cx="1409866" cy="914400"/>
+            </a:xfrm>
+            <a:prstGeom prst="rect">
+              <a:avLst/>
+            </a:prstGeom>
+            <a:noFill/>
+          </p:spPr>
+          <p:txBody>
+            <a:bodyPr wrap="none" rtlCol="0">
+              <a:noAutofit/>
+            </a:bodyPr>
+            <a:lstStyle/>
+            <a:p>
+              <a:r>
+                <a:rPr lang="de-DE" sz="2200" dirty="0" smtClean="0">
+                  <a:latin typeface="AA Zuehlke" pitchFamily="2" charset="0"/>
+                  <a:hlinkClick r:id="rId4"/>
+                </a:rPr>
+                <a:t>Link</a:t>
+              </a:r>
+              <a:endParaRPr lang="de-DE" sz="2200" dirty="0" smtClean="0">
+                <a:latin typeface="AA Zuehlke" pitchFamily="2" charset="0"/>
+              </a:endParaRPr>
+            </a:p>
+          </p:txBody>
+        </p:sp>
+        <p:cxnSp>
+          <p:nvCxnSpPr>
+            <p:cNvPr id="8" name="Gerade Verbindung mit Pfeil 7"/>
+            <p:cNvCxnSpPr/>
+            <p:nvPr/>
+          </p:nvCxnSpPr>
+          <p:spPr>
+            <a:xfrm>
+              <a:off x="10158665" y="6093296"/>
+              <a:ext cx="623469" cy="0"/>
+            </a:xfrm>
+            <a:prstGeom prst="straightConnector1">
+              <a:avLst/>
+            </a:prstGeom>
+            <a:ln w="57150">
+              <a:tailEnd type="triangle"/>
+            </a:ln>
+          </p:spPr>
+          <p:style>
+            <a:lnRef idx="1">
+              <a:schemeClr val="accent1"/>
+            </a:lnRef>
+            <a:fillRef idx="0">
+              <a:schemeClr val="accent1"/>
+            </a:fillRef>
+            <a:effectRef idx="0">
+              <a:schemeClr val="accent1"/>
+            </a:effectRef>
+            <a:fontRef idx="minor">
+              <a:schemeClr val="tx1"/>
+            </a:fontRef>
+          </p:style>
+        </p:cxnSp>
+      </p:grpSp>
     </p:spTree>
     <p:extLst>
       <p:ext uri="{BB962C8B-B14F-4D97-AF65-F5344CB8AC3E}">
